--- a/presentations/presentation-1.pptx
+++ b/presentations/presentation-1.pptx
@@ -21,7 +21,7 @@
   <p:notesSz cx="6858000" cy="9144000"/>
   <p:embeddedFontLst>
     <p:embeddedFont>
-      <p:font typeface="Crimson Text" panose="02000503000000000000" pitchFamily="2" charset="0"/>
+      <p:font typeface="Crimson Text" panose="020B0604020202020204" charset="0"/>
       <p:regular r:id="rId10"/>
       <p:bold r:id="rId11"/>
       <p:italic r:id="rId12"/>
@@ -227,7 +227,7 @@
           <a:p>
             <a:fld id="{59041DB8-B66F-4DC8-A96E-33677E0F90FF}" type="datetimeFigureOut">
               <a:rPr lang="en-US" smtClean="0"/>
-              <a:t>8/30/2016</a:t>
+              <a:t>9/1/2016</a:t>
             </a:fld>
             <a:endParaRPr lang="en-US"/>
           </a:p>
@@ -392,7 +392,7 @@
           <a:p>
             <a:fld id="{DEB49C4A-65AC-492D-9701-81B46C3AD0E4}" type="datetimeFigureOut">
               <a:rPr lang="en-US" smtClean="0"/>
-              <a:t>8/30/2016</a:t>
+              <a:t>9/1/2016</a:t>
             </a:fld>
             <a:endParaRPr lang="en-US"/>
           </a:p>
@@ -2860,7 +2860,7 @@
           <a:p>
             <a:fld id="{384A29A4-78C8-47AB-BA06-22CB45938951}" type="datetime1">
               <a:rPr lang="en-US" smtClean="0"/>
-              <a:t>8/30/2016</a:t>
+              <a:t>9/1/2016</a:t>
             </a:fld>
             <a:endParaRPr lang="en-US"/>
           </a:p>
@@ -3052,7 +3052,7 @@
           <a:p>
             <a:fld id="{E1ED4ACF-2D82-46F2-A8E9-23963AA34E86}" type="datetime1">
               <a:rPr lang="en-US" smtClean="0"/>
-              <a:t>8/30/2016</a:t>
+              <a:t>9/1/2016</a:t>
             </a:fld>
             <a:endParaRPr lang="en-US"/>
           </a:p>
@@ -3232,7 +3232,7 @@
           <a:p>
             <a:fld id="{AE374B5B-21A0-4192-BF4C-38187F1A68D8}" type="datetime1">
               <a:rPr lang="en-US" smtClean="0"/>
-              <a:t>8/30/2016</a:t>
+              <a:t>9/1/2016</a:t>
             </a:fld>
             <a:endParaRPr lang="en-US"/>
           </a:p>
@@ -5570,7 +5570,7 @@
           <a:p>
             <a:fld id="{33B5CF7C-B333-48E1-A4A6-83A3C8B73AC0}" type="datetime1">
               <a:rPr lang="en-US" smtClean="0"/>
-              <a:t>8/30/2016</a:t>
+              <a:t>9/1/2016</a:t>
             </a:fld>
             <a:endParaRPr lang="en-US"/>
           </a:p>
@@ -6020,7 +6020,7 @@
           <a:p>
             <a:fld id="{AE320762-5CBF-4210-AB54-376B091119F8}" type="datetime1">
               <a:rPr lang="en-US" smtClean="0"/>
-              <a:t>8/30/2016</a:t>
+              <a:t>9/1/2016</a:t>
             </a:fld>
             <a:endParaRPr lang="en-US"/>
           </a:p>
@@ -6149,7 +6149,7 @@
           <a:p>
             <a:fld id="{7F0DB371-BF5F-4058-A212-1A908E4D2674}" type="datetime1">
               <a:rPr lang="en-US" smtClean="0"/>
-              <a:t>8/30/2016</a:t>
+              <a:t>9/1/2016</a:t>
             </a:fld>
             <a:endParaRPr lang="en-US"/>
           </a:p>
@@ -8079,7 +8079,7 @@
           <a:p>
             <a:fld id="{60A4083B-90AA-48CF-BAD5-00AA24D7F288}" type="datetime1">
               <a:rPr lang="en-US" smtClean="0"/>
-              <a:t>8/30/2016</a:t>
+              <a:t>9/1/2016</a:t>
             </a:fld>
             <a:endParaRPr lang="en-US"/>
           </a:p>
@@ -10326,7 +10326,7 @@
           <a:p>
             <a:fld id="{F5BAF629-ECA2-4CF3-B790-9D9BDED98269}" type="datetime1">
               <a:rPr lang="en-US" smtClean="0"/>
-              <a:t>8/30/2016</a:t>
+              <a:t>9/1/2016</a:t>
             </a:fld>
             <a:endParaRPr lang="en-US"/>
           </a:p>
@@ -14553,7 +14553,7 @@
           <a:p>
             <a:fld id="{B51B2453-8663-4C69-AF73-9FD7B1DEC5D0}" type="datetime1">
               <a:rPr lang="en-US" smtClean="0"/>
-              <a:t>8/30/2016</a:t>
+              <a:t>9/1/2016</a:t>
             </a:fld>
             <a:endParaRPr lang="en-US"/>
           </a:p>
@@ -15156,6 +15156,13 @@
       </p:transition>
     </mc:Fallback>
   </mc:AlternateContent>
+  <p:timing>
+    <p:tnLst>
+      <p:par>
+        <p:cTn id="1" dur="indefinite" restart="never" nodeType="tmRoot"/>
+      </p:par>
+    </p:tnLst>
+  </p:timing>
 </p:sld>
 </file>
 
@@ -15271,6 +15278,13 @@
       </p:transition>
     </mc:Fallback>
   </mc:AlternateContent>
+  <p:timing>
+    <p:tnLst>
+      <p:par>
+        <p:cTn id="1" dur="indefinite" restart="never" nodeType="tmRoot"/>
+      </p:par>
+    </p:tnLst>
+  </p:timing>
 </p:sld>
 </file>
 
@@ -15291,41 +15305,114 @@
           <a:chExt cx="0" cy="0"/>
         </a:xfrm>
       </p:grpSpPr>
+      <p:pic>
+        <p:nvPicPr>
+          <p:cNvPr id="5" name="Picture 4"/>
+          <p:cNvPicPr>
+            <a:picLocks noChangeAspect="1"/>
+          </p:cNvPicPr>
+          <p:nvPr/>
+        </p:nvPicPr>
+        <p:blipFill>
+          <a:blip r:embed="rId2"/>
+          <a:stretch>
+            <a:fillRect/>
+          </a:stretch>
+        </p:blipFill>
+        <p:spPr>
+          <a:xfrm>
+            <a:off x="3716072" y="264409"/>
+            <a:ext cx="3563267" cy="2159933"/>
+          </a:xfrm>
+          <a:prstGeom prst="rect">
+            <a:avLst/>
+          </a:prstGeom>
+        </p:spPr>
+      </p:pic>
       <p:sp>
         <p:nvSpPr>
-          <p:cNvPr id="4" name="Content Placeholder 3"/>
-          <p:cNvSpPr>
-            <a:spLocks noGrp="1"/>
-          </p:cNvSpPr>
-          <p:nvPr>
-            <p:ph sz="half" idx="2"/>
-          </p:nvPr>
+          <p:cNvPr id="6" name="TextBox 5"/>
+          <p:cNvSpPr txBox="1"/>
+          <p:nvPr/>
         </p:nvSpPr>
         <p:spPr>
           <a:xfrm>
-            <a:off x="623277" y="414215"/>
-            <a:ext cx="10974754" cy="5439509"/>
+            <a:off x="4719472" y="2392711"/>
+            <a:ext cx="1550894" cy="369332"/>
           </a:xfrm>
+          <a:prstGeom prst="rect">
+            <a:avLst/>
+          </a:prstGeom>
+          <a:noFill/>
         </p:spPr>
         <p:txBody>
-          <a:bodyPr/>
+          <a:bodyPr wrap="square" rtlCol="0">
+            <a:spAutoFit/>
+          </a:bodyPr>
           <a:lstStyle/>
           <a:p>
             <a:r>
-              <a:rPr lang="en-US" dirty="0"/>
-              <a:t>[Screen Mock-up 1: Login/</a:t>
+              <a:rPr lang="en-US" dirty="0" smtClean="0"/>
+              <a:t>Login Screen</a:t>
             </a:r>
-            <a:r>
-              <a:rPr lang="en-US" dirty="0" err="1"/>
-              <a:t>Auth</a:t>
-            </a:r>
-            <a:r>
-              <a:rPr lang="en-US" dirty="0"/>
-              <a:t> Image]</a:t>
-            </a:r>
+            <a:endParaRPr lang="en-US" dirty="0"/>
           </a:p>
         </p:txBody>
       </p:sp>
+      <p:sp>
+        <p:nvSpPr>
+          <p:cNvPr id="8" name="TextBox 7"/>
+          <p:cNvSpPr txBox="1"/>
+          <p:nvPr/>
+        </p:nvSpPr>
+        <p:spPr>
+          <a:xfrm>
+            <a:off x="4647754" y="5489027"/>
+            <a:ext cx="1694330" cy="369332"/>
+          </a:xfrm>
+          <a:prstGeom prst="rect">
+            <a:avLst/>
+          </a:prstGeom>
+          <a:noFill/>
+        </p:spPr>
+        <p:txBody>
+          <a:bodyPr wrap="square" rtlCol="0">
+            <a:spAutoFit/>
+          </a:bodyPr>
+          <a:lstStyle/>
+          <a:p>
+            <a:r>
+              <a:rPr lang="en-US" dirty="0" smtClean="0"/>
+              <a:t>Logout Screen</a:t>
+            </a:r>
+            <a:endParaRPr lang="en-US" dirty="0"/>
+          </a:p>
+        </p:txBody>
+      </p:sp>
+      <p:pic>
+        <p:nvPicPr>
+          <p:cNvPr id="9" name="Picture 8"/>
+          <p:cNvPicPr>
+            <a:picLocks noChangeAspect="1"/>
+          </p:cNvPicPr>
+          <p:nvPr/>
+        </p:nvPicPr>
+        <p:blipFill>
+          <a:blip r:embed="rId3"/>
+          <a:stretch>
+            <a:fillRect/>
+          </a:stretch>
+        </p:blipFill>
+        <p:spPr>
+          <a:xfrm>
+            <a:off x="3716072" y="3335453"/>
+            <a:ext cx="3559224" cy="2153574"/>
+          </a:xfrm>
+          <a:prstGeom prst="rect">
+            <a:avLst/>
+          </a:prstGeom>
+        </p:spPr>
+      </p:pic>
     </p:spTree>
     <p:extLst>
       <p:ext uri="{BB962C8B-B14F-4D97-AF65-F5344CB8AC3E}">
@@ -15348,6 +15435,13 @@
       </p:transition>
     </mc:Fallback>
   </mc:AlternateContent>
+  <p:timing>
+    <p:tnLst>
+      <p:par>
+        <p:cTn id="1" dur="indefinite" restart="never" nodeType="tmRoot"/>
+      </p:par>
+    </p:tnLst>
+  </p:timing>
 </p:sld>
 </file>
 
@@ -15417,6 +15511,13 @@
       </p:transition>
     </mc:Fallback>
   </mc:AlternateContent>
+  <p:timing>
+    <p:tnLst>
+      <p:par>
+        <p:cTn id="1" dur="indefinite" restart="never" nodeType="tmRoot"/>
+      </p:par>
+    </p:tnLst>
+  </p:timing>
 </p:sld>
 </file>
 
@@ -15518,6 +15619,13 @@
       </p:transition>
     </mc:Fallback>
   </mc:AlternateContent>
+  <p:timing>
+    <p:tnLst>
+      <p:par>
+        <p:cTn id="1" dur="indefinite" restart="never" nodeType="tmRoot"/>
+      </p:par>
+    </p:tnLst>
+  </p:timing>
 </p:sld>
 </file>
 
